--- a/Pair Programming.pptx
+++ b/Pair Programming.pptx
@@ -7,6 +7,9 @@
   <p:sldIdLst>
     <p:sldId id="256" r:id="rId2"/>
     <p:sldId id="257" r:id="rId3"/>
+    <p:sldId id="258" r:id="rId4"/>
+    <p:sldId id="259" r:id="rId5"/>
+    <p:sldId id="260" r:id="rId6"/>
   </p:sldIdLst>
   <p:sldSz cx="12192000" cy="6858000"/>
   <p:notesSz cx="6858000" cy="9144000"/>
@@ -105,6 +108,11 @@
       </a:defRPr>
     </a:lvl9pPr>
   </p:defaultTextStyle>
+  <p:extLst>
+    <p:ext uri="{EFAFB233-063F-42B5-8137-9DF3F51BA10A}">
+      <p15:sldGuideLst xmlns:p15="http://schemas.microsoft.com/office/powerpoint/2012/main"/>
+    </p:ext>
+  </p:extLst>
 </p:presentation>
 </file>
 
@@ -295,7 +303,7 @@
             <a:fld id="{B61BEF0D-F0BB-DE4B-95CE-6DB70DBA9567}" type="datetimeFigureOut">
               <a:rPr lang="en-US" smtClean="0"/>
               <a:pPr/>
-              <a:t>8/29/2017</a:t>
+              <a:t>8/30/2017</a:t>
             </a:fld>
             <a:endParaRPr lang="en-US" dirty="0"/>
           </a:p>
@@ -572,7 +580,7 @@
             <a:fld id="{B61BEF0D-F0BB-DE4B-95CE-6DB70DBA9567}" type="datetimeFigureOut">
               <a:rPr lang="en-US" smtClean="0"/>
               <a:pPr/>
-              <a:t>8/29/2017</a:t>
+              <a:t>8/30/2017</a:t>
             </a:fld>
             <a:endParaRPr lang="en-US" dirty="0"/>
           </a:p>
@@ -768,7 +776,7 @@
             <a:fld id="{B61BEF0D-F0BB-DE4B-95CE-6DB70DBA9567}" type="datetimeFigureOut">
               <a:rPr lang="en-US" smtClean="0"/>
               <a:pPr/>
-              <a:t>8/29/2017</a:t>
+              <a:t>8/30/2017</a:t>
             </a:fld>
             <a:endParaRPr lang="en-US" dirty="0"/>
           </a:p>
@@ -1043,7 +1051,7 @@
             <a:fld id="{B61BEF0D-F0BB-DE4B-95CE-6DB70DBA9567}" type="datetimeFigureOut">
               <a:rPr lang="en-US" smtClean="0"/>
               <a:pPr/>
-              <a:t>8/29/2017</a:t>
+              <a:t>8/30/2017</a:t>
             </a:fld>
             <a:endParaRPr lang="en-US" dirty="0"/>
           </a:p>
@@ -1386,7 +1394,7 @@
             <a:fld id="{B61BEF0D-F0BB-DE4B-95CE-6DB70DBA9567}" type="datetimeFigureOut">
               <a:rPr lang="en-US" smtClean="0"/>
               <a:pPr/>
-              <a:t>8/29/2017</a:t>
+              <a:t>8/30/2017</a:t>
             </a:fld>
             <a:endParaRPr lang="en-US" dirty="0"/>
           </a:p>
@@ -2011,7 +2019,7 @@
             <a:fld id="{B61BEF0D-F0BB-DE4B-95CE-6DB70DBA9567}" type="datetimeFigureOut">
               <a:rPr lang="en-US" smtClean="0"/>
               <a:pPr/>
-              <a:t>8/29/2017</a:t>
+              <a:t>8/30/2017</a:t>
             </a:fld>
             <a:endParaRPr lang="en-US" dirty="0"/>
           </a:p>
@@ -2873,7 +2881,7 @@
             <a:fld id="{B61BEF0D-F0BB-DE4B-95CE-6DB70DBA9567}" type="datetimeFigureOut">
               <a:rPr lang="en-US" smtClean="0"/>
               <a:pPr/>
-              <a:t>8/29/2017</a:t>
+              <a:t>8/30/2017</a:t>
             </a:fld>
             <a:endParaRPr lang="en-US" dirty="0"/>
           </a:p>
@@ -3044,7 +3052,7 @@
           <a:p>
             <a:fld id="{55C6B4A9-1611-4792-9094-5F34BCA07E0B}" type="datetimeFigureOut">
               <a:rPr lang="en-US" smtClean="0"/>
-              <a:t>8/29/2017</a:t>
+              <a:t>8/30/2017</a:t>
             </a:fld>
             <a:endParaRPr lang="en-US" dirty="0"/>
           </a:p>
@@ -3225,7 +3233,7 @@
             <a:fld id="{B61BEF0D-F0BB-DE4B-95CE-6DB70DBA9567}" type="datetimeFigureOut">
               <a:rPr lang="en-US" smtClean="0"/>
               <a:pPr/>
-              <a:t>8/29/2017</a:t>
+              <a:t>8/30/2017</a:t>
             </a:fld>
             <a:endParaRPr lang="en-US" dirty="0"/>
           </a:p>
@@ -3396,7 +3404,7 @@
           <a:p>
             <a:fld id="{42A54C80-263E-416B-A8E0-580EDEADCBDC}" type="datetimeFigureOut">
               <a:rPr lang="en-US" smtClean="0"/>
-              <a:t>8/29/2017</a:t>
+              <a:t>8/30/2017</a:t>
             </a:fld>
             <a:endParaRPr lang="en-US" dirty="0"/>
           </a:p>
@@ -3644,7 +3652,7 @@
             <a:fld id="{B61BEF0D-F0BB-DE4B-95CE-6DB70DBA9567}" type="datetimeFigureOut">
               <a:rPr lang="en-US" smtClean="0"/>
               <a:pPr/>
-              <a:t>8/29/2017</a:t>
+              <a:t>8/30/2017</a:t>
             </a:fld>
             <a:endParaRPr lang="en-US" dirty="0"/>
           </a:p>
@@ -3937,7 +3945,7 @@
           <a:p>
             <a:fld id="{42A54C80-263E-416B-A8E0-580EDEADCBDC}" type="datetimeFigureOut">
               <a:rPr lang="en-US" smtClean="0"/>
-              <a:t>8/29/2017</a:t>
+              <a:t>8/30/2017</a:t>
             </a:fld>
             <a:endParaRPr lang="en-US" dirty="0"/>
           </a:p>
@@ -4382,7 +4390,7 @@
             <a:fld id="{B61BEF0D-F0BB-DE4B-95CE-6DB70DBA9567}" type="datetimeFigureOut">
               <a:rPr lang="en-US" smtClean="0"/>
               <a:pPr/>
-              <a:t>8/29/2017</a:t>
+              <a:t>8/30/2017</a:t>
             </a:fld>
             <a:endParaRPr lang="en-US" dirty="0"/>
           </a:p>
@@ -4502,7 +4510,7 @@
             <a:fld id="{B61BEF0D-F0BB-DE4B-95CE-6DB70DBA9567}" type="datetimeFigureOut">
               <a:rPr lang="en-US" smtClean="0"/>
               <a:pPr/>
-              <a:t>8/29/2017</a:t>
+              <a:t>8/30/2017</a:t>
             </a:fld>
             <a:endParaRPr lang="en-US" dirty="0"/>
           </a:p>
@@ -4599,7 +4607,7 @@
             <a:fld id="{B61BEF0D-F0BB-DE4B-95CE-6DB70DBA9567}" type="datetimeFigureOut">
               <a:rPr lang="en-US" smtClean="0"/>
               <a:pPr/>
-              <a:t>8/29/2017</a:t>
+              <a:t>8/30/2017</a:t>
             </a:fld>
             <a:endParaRPr lang="en-US" dirty="0"/>
           </a:p>
@@ -4879,7 +4887,7 @@
           <a:p>
             <a:fld id="{42A54C80-263E-416B-A8E0-580EDEADCBDC}" type="datetimeFigureOut">
               <a:rPr lang="en-US" smtClean="0"/>
-              <a:t>8/29/2017</a:t>
+              <a:t>8/30/2017</a:t>
             </a:fld>
             <a:endParaRPr lang="en-US" dirty="0"/>
           </a:p>
@@ -5155,7 +5163,7 @@
             <a:fld id="{B61BEF0D-F0BB-DE4B-95CE-6DB70DBA9567}" type="datetimeFigureOut">
               <a:rPr lang="en-US" smtClean="0"/>
               <a:pPr/>
-              <a:t>8/29/2017</a:t>
+              <a:t>8/30/2017</a:t>
             </a:fld>
             <a:endParaRPr lang="en-US" dirty="0"/>
           </a:p>
@@ -5586,7 +5594,7 @@
             <a:fld id="{B61BEF0D-F0BB-DE4B-95CE-6DB70DBA9567}" type="datetimeFigureOut">
               <a:rPr lang="en-US" smtClean="0"/>
               <a:pPr/>
-              <a:t>8/29/2017</a:t>
+              <a:t>8/30/2017</a:t>
             </a:fld>
             <a:endParaRPr lang="en-US" dirty="0"/>
           </a:p>
@@ -6173,7 +6181,7 @@
         </p:nvSpPr>
         <p:spPr>
           <a:xfrm>
-            <a:off x="1100050" y="4907565"/>
+            <a:off x="1036990" y="1964668"/>
             <a:ext cx="10058400" cy="1143000"/>
           </a:xfrm>
         </p:spPr>
@@ -6181,10 +6189,84 @@
           <a:bodyPr/>
           <a:lstStyle/>
           <a:p>
-            <a:endParaRPr lang="pt-BR"/>
-          </a:p>
-        </p:txBody>
-      </p:sp>
+            <a:r>
+              <a:rPr lang="pt-BR" dirty="0" smtClean="0">
+                <a:latin typeface="BankGothic Lt BT" panose="020B0607020203060204" pitchFamily="34" charset="0"/>
+              </a:rPr>
+              <a:t>É uma técnica de desenvolvimento em pares, na qual um da dupla codifica e o outro “observa”.</a:t>
+            </a:r>
+            <a:endParaRPr lang="pt-BR" dirty="0">
+              <a:latin typeface="BankGothic Lt BT" panose="020B0607020203060204" pitchFamily="34" charset="0"/>
+            </a:endParaRPr>
+          </a:p>
+        </p:txBody>
+      </p:sp>
+      <p:sp>
+        <p:nvSpPr>
+          <p:cNvPr id="4" name="CaixaDeTexto 3"/>
+          <p:cNvSpPr txBox="1"/>
+          <p:nvPr/>
+        </p:nvSpPr>
+        <p:spPr>
+          <a:xfrm>
+            <a:off x="10449059" y="0"/>
+            <a:ext cx="646331" cy="1200329"/>
+          </a:xfrm>
+          <a:prstGeom prst="rect">
+            <a:avLst/>
+          </a:prstGeom>
+          <a:noFill/>
+        </p:spPr>
+        <p:txBody>
+          <a:bodyPr wrap="none" rtlCol="0">
+            <a:spAutoFit/>
+          </a:bodyPr>
+          <a:lstStyle/>
+          <a:p>
+            <a:r>
+              <a:rPr lang="pt-BR" sz="7200" dirty="0" smtClean="0">
+                <a:latin typeface="Times New Roman" panose="02020603050405020304" pitchFamily="18" charset="0"/>
+                <a:cs typeface="Times New Roman" panose="02020603050405020304" pitchFamily="18" charset="0"/>
+              </a:rPr>
+              <a:t>1</a:t>
+            </a:r>
+            <a:endParaRPr lang="pt-BR" sz="7200" dirty="0">
+              <a:latin typeface="Times New Roman" panose="02020603050405020304" pitchFamily="18" charset="0"/>
+              <a:cs typeface="Times New Roman" panose="02020603050405020304" pitchFamily="18" charset="0"/>
+            </a:endParaRPr>
+          </a:p>
+        </p:txBody>
+      </p:sp>
+      <p:pic>
+        <p:nvPicPr>
+          <p:cNvPr id="5" name="Imagem 4"/>
+          <p:cNvPicPr>
+            <a:picLocks noChangeAspect="1"/>
+          </p:cNvPicPr>
+          <p:nvPr/>
+        </p:nvPicPr>
+        <p:blipFill>
+          <a:blip r:embed="rId2">
+            <a:extLst>
+              <a:ext uri="{28A0092B-C50C-407E-A947-70E740481C1C}">
+                <a14:useLocalDpi xmlns:a14="http://schemas.microsoft.com/office/drawing/2010/main" val="0"/>
+              </a:ext>
+            </a:extLst>
+          </a:blip>
+          <a:stretch>
+            <a:fillRect/>
+          </a:stretch>
+        </p:blipFill>
+        <p:spPr>
+          <a:xfrm>
+            <a:off x="1776250" y="2669628"/>
+            <a:ext cx="8849711" cy="4014725"/>
+          </a:xfrm>
+          <a:prstGeom prst="rect">
+            <a:avLst/>
+          </a:prstGeom>
+        </p:spPr>
+      </p:pic>
     </p:spTree>
     <p:extLst>
       <p:ext uri="{BB962C8B-B14F-4D97-AF65-F5344CB8AC3E}">
@@ -6232,31 +6314,153 @@
             <p:ph type="title"/>
           </p:nvPr>
         </p:nvSpPr>
+        <p:spPr>
+          <a:xfrm>
+            <a:off x="3357780" y="452718"/>
+            <a:ext cx="9404723" cy="1400530"/>
+          </a:xfrm>
+        </p:spPr>
+        <p:txBody>
+          <a:bodyPr/>
+          <a:lstStyle/>
+          <a:p>
+            <a:r>
+              <a:rPr lang="pt-BR" dirty="0" smtClean="0">
+                <a:latin typeface="BankGothic Lt BT" panose="020B0607020203060204" pitchFamily="34" charset="0"/>
+              </a:rPr>
+              <a:t>1.1- Vantagens</a:t>
+            </a:r>
+            <a:endParaRPr lang="pt-BR" dirty="0">
+              <a:latin typeface="BankGothic Lt BT" panose="020B0607020203060204" pitchFamily="34" charset="0"/>
+            </a:endParaRPr>
+          </a:p>
+        </p:txBody>
+      </p:sp>
+      <p:sp>
+        <p:nvSpPr>
+          <p:cNvPr id="3" name="Espaço Reservado para Conteúdo 2"/>
+          <p:cNvSpPr>
+            <a:spLocks noGrp="1"/>
+          </p:cNvSpPr>
+          <p:nvPr>
+            <p:ph idx="1"/>
+          </p:nvPr>
+        </p:nvSpPr>
         <p:spPr/>
         <p:txBody>
           <a:bodyPr/>
           <a:lstStyle/>
           <a:p>
-            <a:endParaRPr lang="pt-BR"/>
-          </a:p>
-        </p:txBody>
-      </p:sp>
-      <p:sp>
-        <p:nvSpPr>
-          <p:cNvPr id="3" name="Espaço Reservado para Conteúdo 2"/>
-          <p:cNvSpPr>
-            <a:spLocks noGrp="1"/>
-          </p:cNvSpPr>
-          <p:nvPr>
-            <p:ph idx="1"/>
-          </p:nvPr>
-        </p:nvSpPr>
-        <p:spPr/>
-        <p:txBody>
-          <a:bodyPr/>
-          <a:lstStyle/>
-          <a:p>
-            <a:endParaRPr lang="pt-BR"/>
+            <a:pPr marL="0" indent="0">
+              <a:buNone/>
+            </a:pPr>
+            <a:r>
+              <a:rPr lang="pt-BR" dirty="0"/>
+              <a:t>Em projetos que usam a prática de programação em par existem também vantagens com relação à qualidade do código produzido, pois é observado que</a:t>
+            </a:r>
+            <a:r>
+              <a:rPr lang="pt-BR" dirty="0" smtClean="0"/>
+              <a:t>:</a:t>
+            </a:r>
+          </a:p>
+          <a:p>
+            <a:pPr marL="0" indent="0">
+              <a:buNone/>
+            </a:pPr>
+            <a:endParaRPr lang="pt-BR" dirty="0" smtClean="0"/>
+          </a:p>
+          <a:p>
+            <a:pPr>
+              <a:buFont typeface="Wingdings" panose="05000000000000000000" pitchFamily="2" charset="2"/>
+              <a:buChar char="§"/>
+            </a:pPr>
+            <a:r>
+              <a:rPr lang="pt-BR" dirty="0"/>
+              <a:t>Há um aumento significativo na atenção depositada na codificação do software</a:t>
+            </a:r>
+            <a:r>
+              <a:rPr lang="pt-BR" dirty="0" smtClean="0"/>
+              <a:t>;</a:t>
+            </a:r>
+          </a:p>
+          <a:p>
+            <a:pPr>
+              <a:buFont typeface="Wingdings" panose="05000000000000000000" pitchFamily="2" charset="2"/>
+              <a:buChar char="§"/>
+            </a:pPr>
+            <a:r>
+              <a:rPr lang="pt-BR" dirty="0"/>
+              <a:t>O rigor é maior no objetivo de seguir os padrões definidos para aquele projeto</a:t>
+            </a:r>
+            <a:r>
+              <a:rPr lang="pt-BR" dirty="0" smtClean="0"/>
+              <a:t>;</a:t>
+            </a:r>
+          </a:p>
+          <a:p>
+            <a:pPr>
+              <a:buFont typeface="Wingdings" panose="05000000000000000000" pitchFamily="2" charset="2"/>
+              <a:buChar char="§"/>
+            </a:pPr>
+            <a:r>
+              <a:rPr lang="pt-BR" dirty="0" smtClean="0"/>
+              <a:t>A </a:t>
+            </a:r>
+            <a:r>
+              <a:rPr lang="pt-BR" dirty="0"/>
+              <a:t>quantidade de erros de sintaxe diminui</a:t>
+            </a:r>
+            <a:r>
+              <a:rPr lang="pt-BR" dirty="0" smtClean="0"/>
+              <a:t>;</a:t>
+            </a:r>
+          </a:p>
+          <a:p>
+            <a:pPr>
+              <a:buFont typeface="Wingdings" panose="05000000000000000000" pitchFamily="2" charset="2"/>
+              <a:buChar char="§"/>
+            </a:pPr>
+            <a:r>
+              <a:rPr lang="pt-BR" dirty="0" smtClean="0"/>
+              <a:t>Etc...</a:t>
+            </a:r>
+          </a:p>
+          <a:p>
+            <a:pPr>
+              <a:buFont typeface="Wingdings" panose="05000000000000000000" pitchFamily="2" charset="2"/>
+              <a:buChar char="§"/>
+            </a:pPr>
+            <a:endParaRPr lang="pt-BR" dirty="0"/>
+          </a:p>
+        </p:txBody>
+      </p:sp>
+      <p:sp>
+        <p:nvSpPr>
+          <p:cNvPr id="5" name="CaixaDeTexto 4"/>
+          <p:cNvSpPr txBox="1"/>
+          <p:nvPr/>
+        </p:nvSpPr>
+        <p:spPr>
+          <a:xfrm>
+            <a:off x="10426261" y="-47346"/>
+            <a:ext cx="696024" cy="1200329"/>
+          </a:xfrm>
+          <a:prstGeom prst="rect">
+            <a:avLst/>
+          </a:prstGeom>
+          <a:noFill/>
+        </p:spPr>
+        <p:txBody>
+          <a:bodyPr wrap="none" rtlCol="0">
+            <a:spAutoFit/>
+          </a:bodyPr>
+          <a:lstStyle/>
+          <a:p>
+            <a:r>
+              <a:rPr lang="pt-BR" sz="7200" dirty="0" smtClean="0"/>
+              <a:t>2</a:t>
+            </a:r>
+            <a:endParaRPr lang="pt-BR" sz="7200" dirty="0"/>
           </a:p>
         </p:txBody>
       </p:sp>
@@ -6277,6 +6481,541 @@
       </p:par>
     </p:tnLst>
   </p:timing>
+</p:sld>
+</file>
+
+<file path=ppt/slides/slide3.xml><?xml version="1.0" encoding="utf-8"?>
+<p:sld xmlns:a="http://schemas.openxmlformats.org/drawingml/2006/main" xmlns:r="http://schemas.openxmlformats.org/officeDocument/2006/relationships" xmlns:p="http://schemas.openxmlformats.org/presentationml/2006/main">
+  <p:cSld>
+    <p:spTree>
+      <p:nvGrpSpPr>
+        <p:cNvPr id="1" name=""/>
+        <p:cNvGrpSpPr/>
+        <p:nvPr/>
+      </p:nvGrpSpPr>
+      <p:grpSpPr>
+        <a:xfrm>
+          <a:off x="0" y="0"/>
+          <a:ext cx="0" cy="0"/>
+          <a:chOff x="0" y="0"/>
+          <a:chExt cx="0" cy="0"/>
+        </a:xfrm>
+      </p:grpSpPr>
+      <p:sp>
+        <p:nvSpPr>
+          <p:cNvPr id="2" name="Título 1"/>
+          <p:cNvSpPr>
+            <a:spLocks noGrp="1"/>
+          </p:cNvSpPr>
+          <p:nvPr>
+            <p:ph type="title"/>
+          </p:nvPr>
+        </p:nvSpPr>
+        <p:spPr>
+          <a:xfrm>
+            <a:off x="2787277" y="373940"/>
+            <a:ext cx="9404723" cy="1400530"/>
+          </a:xfrm>
+        </p:spPr>
+        <p:txBody>
+          <a:bodyPr/>
+          <a:lstStyle/>
+          <a:p>
+            <a:r>
+              <a:rPr lang="pt-BR" dirty="0" smtClean="0">
+                <a:latin typeface="BankGothic Lt BT" panose="020B0607020203060204" pitchFamily="34" charset="0"/>
+              </a:rPr>
+              <a:t>1.2 - Desvantagens</a:t>
+            </a:r>
+            <a:endParaRPr lang="pt-BR" dirty="0">
+              <a:latin typeface="BankGothic Lt BT" panose="020B0607020203060204" pitchFamily="34" charset="0"/>
+            </a:endParaRPr>
+          </a:p>
+        </p:txBody>
+      </p:sp>
+      <p:sp>
+        <p:nvSpPr>
+          <p:cNvPr id="3" name="Espaço Reservado para Conteúdo 2"/>
+          <p:cNvSpPr>
+            <a:spLocks noGrp="1"/>
+          </p:cNvSpPr>
+          <p:nvPr>
+            <p:ph idx="1"/>
+          </p:nvPr>
+        </p:nvSpPr>
+        <p:spPr/>
+        <p:txBody>
+          <a:bodyPr>
+            <a:normAutofit lnSpcReduction="10000"/>
+          </a:bodyPr>
+          <a:lstStyle/>
+          <a:p>
+            <a:pPr marL="0" indent="0">
+              <a:buNone/>
+            </a:pPr>
+            <a:r>
+              <a:rPr lang="pt-BR" dirty="0"/>
+              <a:t>Infelizmente, o uso de </a:t>
+            </a:r>
+            <a:r>
+              <a:rPr lang="pt-BR" dirty="0" err="1"/>
+              <a:t>pair</a:t>
+            </a:r>
+            <a:r>
+              <a:rPr lang="pt-BR" dirty="0"/>
+              <a:t> </a:t>
+            </a:r>
+            <a:r>
+              <a:rPr lang="pt-BR" dirty="0" err="1"/>
+              <a:t>programming</a:t>
+            </a:r>
+            <a:r>
+              <a:rPr lang="pt-BR" dirty="0"/>
+              <a:t> não é somente um “mar de rosas</a:t>
+            </a:r>
+            <a:r>
+              <a:rPr lang="pt-BR" dirty="0" smtClean="0"/>
+              <a:t>”, existe algumas falhas, quais são: </a:t>
+            </a:r>
+          </a:p>
+          <a:p>
+            <a:pPr marL="0" indent="0">
+              <a:buNone/>
+            </a:pPr>
+            <a:endParaRPr lang="pt-BR" dirty="0"/>
+          </a:p>
+          <a:p>
+            <a:pPr>
+              <a:buFont typeface="Wingdings" panose="05000000000000000000" pitchFamily="2" charset="2"/>
+              <a:buChar char="§"/>
+            </a:pPr>
+            <a:r>
+              <a:rPr lang="pt-BR" u="sng" dirty="0"/>
+              <a:t>Um aumento do custo de um projeto</a:t>
+            </a:r>
+            <a:r>
+              <a:rPr lang="pt-BR" dirty="0" smtClean="0"/>
+              <a:t>: </a:t>
+            </a:r>
+            <a:r>
+              <a:rPr lang="pt-BR" dirty="0"/>
+              <a:t>Pelo fato de alocar dois programadores que normalmente são remunerados pelo cálculo de </a:t>
+            </a:r>
+            <a:r>
+              <a:rPr lang="pt-BR" b="1" dirty="0" smtClean="0"/>
+              <a:t>homem/hora.</a:t>
+            </a:r>
+          </a:p>
+          <a:p>
+            <a:pPr>
+              <a:buFont typeface="Wingdings" panose="05000000000000000000" pitchFamily="2" charset="2"/>
+              <a:buChar char="§"/>
+            </a:pPr>
+            <a:r>
+              <a:rPr lang="pt-BR" u="sng" dirty="0"/>
+              <a:t>Dificuldades culturais em compartilhar </a:t>
+            </a:r>
+            <a:r>
+              <a:rPr lang="pt-BR" u="sng" dirty="0" smtClean="0"/>
+              <a:t>conhecimento.</a:t>
+            </a:r>
+          </a:p>
+          <a:p>
+            <a:pPr marL="0" indent="0">
+              <a:buNone/>
+            </a:pPr>
+            <a:endParaRPr lang="pt-BR" u="sng" dirty="0" smtClean="0"/>
+          </a:p>
+          <a:p>
+            <a:pPr>
+              <a:buFont typeface="Wingdings" panose="05000000000000000000" pitchFamily="2" charset="2"/>
+              <a:buChar char="§"/>
+            </a:pPr>
+            <a:r>
+              <a:rPr lang="pt-BR" u="sng" dirty="0"/>
+              <a:t>Facilidade em fugir da </a:t>
+            </a:r>
+            <a:r>
+              <a:rPr lang="pt-BR" u="sng" dirty="0" smtClean="0"/>
+              <a:t>prática</a:t>
+            </a:r>
+            <a:r>
+              <a:rPr lang="pt-BR" b="1" u="sng" dirty="0" smtClean="0"/>
+              <a:t>:</a:t>
+            </a:r>
+            <a:r>
+              <a:rPr lang="pt-BR" u="sng" dirty="0"/>
+              <a:t> </a:t>
+            </a:r>
+            <a:r>
+              <a:rPr lang="pt-BR" dirty="0" smtClean="0"/>
+              <a:t>É </a:t>
+            </a:r>
+            <a:r>
+              <a:rPr lang="pt-BR" dirty="0"/>
+              <a:t>comum durante o projeto, ocorrerem casos que favoreçam a quebra de </a:t>
+            </a:r>
+            <a:r>
+              <a:rPr lang="pt-BR" dirty="0" err="1"/>
+              <a:t>pair</a:t>
+            </a:r>
+            <a:r>
+              <a:rPr lang="pt-BR" dirty="0"/>
+              <a:t> </a:t>
+            </a:r>
+            <a:r>
+              <a:rPr lang="pt-BR" dirty="0" err="1"/>
+              <a:t>programming</a:t>
+            </a:r>
+            <a:r>
+              <a:rPr lang="pt-BR" dirty="0"/>
+              <a:t>, como por exemplo: </a:t>
+            </a:r>
+            <a:r>
+              <a:rPr lang="pt-BR" dirty="0" smtClean="0"/>
+              <a:t>faltas, </a:t>
+            </a:r>
+            <a:r>
+              <a:rPr lang="pt-BR" dirty="0"/>
+              <a:t>trabalhos solos além do expediente de trabalho.</a:t>
+            </a:r>
+          </a:p>
+          <a:p>
+            <a:pPr>
+              <a:buFont typeface="Wingdings" panose="05000000000000000000" pitchFamily="2" charset="2"/>
+              <a:buChar char="§"/>
+            </a:pPr>
+            <a:endParaRPr lang="pt-BR" dirty="0"/>
+          </a:p>
+        </p:txBody>
+      </p:sp>
+      <p:sp>
+        <p:nvSpPr>
+          <p:cNvPr id="4" name="CaixaDeTexto 3"/>
+          <p:cNvSpPr txBox="1"/>
+          <p:nvPr/>
+        </p:nvSpPr>
+        <p:spPr>
+          <a:xfrm>
+            <a:off x="10447283" y="0"/>
+            <a:ext cx="696024" cy="1200329"/>
+          </a:xfrm>
+          <a:prstGeom prst="rect">
+            <a:avLst/>
+          </a:prstGeom>
+          <a:noFill/>
+        </p:spPr>
+        <p:txBody>
+          <a:bodyPr wrap="none" rtlCol="0">
+            <a:spAutoFit/>
+          </a:bodyPr>
+          <a:lstStyle/>
+          <a:p>
+            <a:r>
+              <a:rPr lang="pt-BR" sz="7200" dirty="0" smtClean="0"/>
+              <a:t>3</a:t>
+            </a:r>
+            <a:endParaRPr lang="pt-BR" sz="7200" dirty="0"/>
+          </a:p>
+        </p:txBody>
+      </p:sp>
+    </p:spTree>
+    <p:extLst>
+      <p:ext uri="{BB962C8B-B14F-4D97-AF65-F5344CB8AC3E}">
+        <p14:creationId xmlns:p14="http://schemas.microsoft.com/office/powerpoint/2010/main" val="1334418922"/>
+      </p:ext>
+    </p:extLst>
+  </p:cSld>
+  <p:clrMapOvr>
+    <a:masterClrMapping/>
+  </p:clrMapOvr>
+</p:sld>
+</file>
+
+<file path=ppt/slides/slide4.xml><?xml version="1.0" encoding="utf-8"?>
+<p:sld xmlns:a="http://schemas.openxmlformats.org/drawingml/2006/main" xmlns:r="http://schemas.openxmlformats.org/officeDocument/2006/relationships" xmlns:p="http://schemas.openxmlformats.org/presentationml/2006/main">
+  <p:cSld>
+    <p:spTree>
+      <p:nvGrpSpPr>
+        <p:cNvPr id="1" name=""/>
+        <p:cNvGrpSpPr/>
+        <p:nvPr/>
+      </p:nvGrpSpPr>
+      <p:grpSpPr>
+        <a:xfrm>
+          <a:off x="0" y="0"/>
+          <a:ext cx="0" cy="0"/>
+          <a:chOff x="0" y="0"/>
+          <a:chExt cx="0" cy="0"/>
+        </a:xfrm>
+      </p:grpSpPr>
+      <p:sp>
+        <p:nvSpPr>
+          <p:cNvPr id="2" name="Título 1"/>
+          <p:cNvSpPr>
+            <a:spLocks noGrp="1"/>
+          </p:cNvSpPr>
+          <p:nvPr>
+            <p:ph type="title"/>
+          </p:nvPr>
+        </p:nvSpPr>
+        <p:spPr>
+          <a:xfrm>
+            <a:off x="2787277" y="479044"/>
+            <a:ext cx="9404723" cy="1400530"/>
+          </a:xfrm>
+        </p:spPr>
+        <p:txBody>
+          <a:bodyPr/>
+          <a:lstStyle/>
+          <a:p>
+            <a:r>
+              <a:rPr lang="pt-BR" dirty="0" smtClean="0">
+                <a:latin typeface="BankGothic Lt BT" panose="020B0607020203060204" pitchFamily="34" charset="0"/>
+              </a:rPr>
+              <a:t>1.3 - Conclusão</a:t>
+            </a:r>
+          </a:p>
+        </p:txBody>
+      </p:sp>
+      <p:sp>
+        <p:nvSpPr>
+          <p:cNvPr id="3" name="Espaço Reservado para Conteúdo 2"/>
+          <p:cNvSpPr>
+            <a:spLocks noGrp="1"/>
+          </p:cNvSpPr>
+          <p:nvPr>
+            <p:ph idx="1"/>
+          </p:nvPr>
+        </p:nvSpPr>
+        <p:spPr>
+          <a:xfrm>
+            <a:off x="1103312" y="2052918"/>
+            <a:ext cx="9322949" cy="4195481"/>
+          </a:xfrm>
+        </p:spPr>
+        <p:txBody>
+          <a:bodyPr/>
+          <a:lstStyle/>
+          <a:p>
+            <a:pPr marL="0" indent="0">
+              <a:buNone/>
+            </a:pPr>
+            <a:r>
+              <a:rPr lang="pt-BR" dirty="0"/>
+              <a:t>P</a:t>
+            </a:r>
+            <a:r>
+              <a:rPr lang="pt-BR" dirty="0" smtClean="0"/>
+              <a:t>rogramação </a:t>
+            </a:r>
+            <a:r>
+              <a:rPr lang="pt-BR" dirty="0"/>
+              <a:t>em par, quando bem aplicada, torna o desenvolvimento mais divertido, dinâmico e mais ágil</a:t>
+            </a:r>
+            <a:r>
+              <a:rPr lang="pt-BR" dirty="0" smtClean="0"/>
+              <a:t>, </a:t>
+            </a:r>
+            <a:r>
+              <a:rPr lang="pt-BR" dirty="0"/>
+              <a:t>e gostaria de lembrar que a maioria dos casos de insucesso no uso de </a:t>
+            </a:r>
+            <a:r>
+              <a:rPr lang="pt-BR" dirty="0" err="1"/>
+              <a:t>pair</a:t>
+            </a:r>
+            <a:r>
+              <a:rPr lang="pt-BR" dirty="0"/>
+              <a:t> </a:t>
+            </a:r>
+            <a:r>
+              <a:rPr lang="pt-BR" dirty="0" err="1"/>
+              <a:t>programming</a:t>
+            </a:r>
+            <a:r>
+              <a:rPr lang="pt-BR" dirty="0"/>
+              <a:t> está associada ao não uso de outras práticas sugeridas por </a:t>
+            </a:r>
+            <a:r>
+              <a:rPr lang="pt-BR" dirty="0" smtClean="0"/>
+              <a:t>XP.</a:t>
+            </a:r>
+            <a:endParaRPr lang="pt-BR" dirty="0"/>
+          </a:p>
+        </p:txBody>
+      </p:sp>
+      <p:sp>
+        <p:nvSpPr>
+          <p:cNvPr id="4" name="CaixaDeTexto 3"/>
+          <p:cNvSpPr txBox="1"/>
+          <p:nvPr/>
+        </p:nvSpPr>
+        <p:spPr>
+          <a:xfrm>
+            <a:off x="10426261" y="-21020"/>
+            <a:ext cx="696024" cy="1200329"/>
+          </a:xfrm>
+          <a:prstGeom prst="rect">
+            <a:avLst/>
+          </a:prstGeom>
+          <a:noFill/>
+        </p:spPr>
+        <p:txBody>
+          <a:bodyPr wrap="none" rtlCol="0">
+            <a:spAutoFit/>
+          </a:bodyPr>
+          <a:lstStyle/>
+          <a:p>
+            <a:r>
+              <a:rPr lang="pt-BR" sz="7200" dirty="0" smtClean="0"/>
+              <a:t>4</a:t>
+            </a:r>
+            <a:endParaRPr lang="pt-BR" sz="7200" dirty="0"/>
+          </a:p>
+        </p:txBody>
+      </p:sp>
+    </p:spTree>
+    <p:extLst>
+      <p:ext uri="{BB962C8B-B14F-4D97-AF65-F5344CB8AC3E}">
+        <p14:creationId xmlns:p14="http://schemas.microsoft.com/office/powerpoint/2010/main" val="3380583360"/>
+      </p:ext>
+    </p:extLst>
+  </p:cSld>
+  <p:clrMapOvr>
+    <a:masterClrMapping/>
+  </p:clrMapOvr>
+</p:sld>
+</file>
+
+<file path=ppt/slides/slide5.xml><?xml version="1.0" encoding="utf-8"?>
+<p:sld xmlns:a="http://schemas.openxmlformats.org/drawingml/2006/main" xmlns:r="http://schemas.openxmlformats.org/officeDocument/2006/relationships" xmlns:p="http://schemas.openxmlformats.org/presentationml/2006/main">
+  <p:cSld>
+    <p:spTree>
+      <p:nvGrpSpPr>
+        <p:cNvPr id="1" name=""/>
+        <p:cNvGrpSpPr/>
+        <p:nvPr/>
+      </p:nvGrpSpPr>
+      <p:grpSpPr>
+        <a:xfrm>
+          <a:off x="0" y="0"/>
+          <a:ext cx="0" cy="0"/>
+          <a:chOff x="0" y="0"/>
+          <a:chExt cx="0" cy="0"/>
+        </a:xfrm>
+      </p:grpSpPr>
+      <p:sp>
+        <p:nvSpPr>
+          <p:cNvPr id="2" name="Título 1"/>
+          <p:cNvSpPr>
+            <a:spLocks noGrp="1"/>
+          </p:cNvSpPr>
+          <p:nvPr>
+            <p:ph type="title"/>
+          </p:nvPr>
+        </p:nvSpPr>
+        <p:spPr>
+          <a:xfrm>
+            <a:off x="2787277" y="500064"/>
+            <a:ext cx="9404723" cy="1400530"/>
+          </a:xfrm>
+        </p:spPr>
+        <p:txBody>
+          <a:bodyPr/>
+          <a:lstStyle/>
+          <a:p>
+            <a:r>
+              <a:rPr lang="pt-BR" dirty="0" smtClean="0">
+                <a:latin typeface="BankGothic Lt BT" panose="020B0607020203060204" pitchFamily="34" charset="0"/>
+              </a:rPr>
+              <a:t>1.4 -Referências</a:t>
+            </a:r>
+            <a:endParaRPr lang="pt-BR" dirty="0">
+              <a:latin typeface="BankGothic Lt BT" panose="020B0607020203060204" pitchFamily="34" charset="0"/>
+            </a:endParaRPr>
+          </a:p>
+        </p:txBody>
+      </p:sp>
+      <p:sp>
+        <p:nvSpPr>
+          <p:cNvPr id="3" name="Espaço Reservado para Conteúdo 2"/>
+          <p:cNvSpPr>
+            <a:spLocks noGrp="1"/>
+          </p:cNvSpPr>
+          <p:nvPr>
+            <p:ph idx="1"/>
+          </p:nvPr>
+        </p:nvSpPr>
+        <p:spPr/>
+        <p:txBody>
+          <a:bodyPr/>
+          <a:lstStyle/>
+          <a:p>
+            <a:r>
+              <a:rPr lang="pt-BR" dirty="0">
+                <a:hlinkClick r:id="rId2"/>
+              </a:rPr>
+              <a:t>http://</a:t>
+            </a:r>
+            <a:r>
+              <a:rPr lang="pt-BR" dirty="0" smtClean="0">
+                <a:hlinkClick r:id="rId2"/>
+              </a:rPr>
+              <a:t>www.devmedia.com.br/implementando-pair-programming-em-sua-equipe/1694</a:t>
+            </a:r>
+            <a:endParaRPr lang="pt-BR" dirty="0" smtClean="0"/>
+          </a:p>
+          <a:p>
+            <a:endParaRPr lang="pt-BR" dirty="0" smtClean="0"/>
+          </a:p>
+          <a:p>
+            <a:r>
+              <a:rPr lang="pt-BR" dirty="0"/>
+              <a:t>https://blog.daftcode.pl/pair-programming-demystified-730c6f0b145b</a:t>
+            </a:r>
+          </a:p>
+        </p:txBody>
+      </p:sp>
+      <p:sp>
+        <p:nvSpPr>
+          <p:cNvPr id="4" name="CaixaDeTexto 3"/>
+          <p:cNvSpPr txBox="1"/>
+          <p:nvPr/>
+        </p:nvSpPr>
+        <p:spPr>
+          <a:xfrm>
+            <a:off x="10436773" y="0"/>
+            <a:ext cx="696024" cy="1200329"/>
+          </a:xfrm>
+          <a:prstGeom prst="rect">
+            <a:avLst/>
+          </a:prstGeom>
+          <a:noFill/>
+        </p:spPr>
+        <p:txBody>
+          <a:bodyPr wrap="none" rtlCol="0">
+            <a:spAutoFit/>
+          </a:bodyPr>
+          <a:lstStyle/>
+          <a:p>
+            <a:r>
+              <a:rPr lang="pt-BR" sz="7200" dirty="0"/>
+              <a:t>5</a:t>
+            </a:r>
+          </a:p>
+        </p:txBody>
+      </p:sp>
+    </p:spTree>
+    <p:extLst>
+      <p:ext uri="{BB962C8B-B14F-4D97-AF65-F5344CB8AC3E}">
+        <p14:creationId xmlns:p14="http://schemas.microsoft.com/office/powerpoint/2010/main" val="3146922368"/>
+      </p:ext>
+    </p:extLst>
+  </p:cSld>
+  <p:clrMapOvr>
+    <a:masterClrMapping/>
+  </p:clrMapOvr>
 </p:sld>
 </file>
 
